--- a/教學簡報/Bootstrap Message board .pptx
+++ b/教學簡報/Bootstrap Message board .pptx
@@ -242,7 +242,7 @@
             <a:fld id="{A5DCF4EA-E40D-43F8-B4CB-7F82BC812DB7}" type="datetimeFigureOut">
               <a:rPr lang="zh-TW" altLang="en-US" smtClean="0"/>
               <a:pPr/>
-              <a:t>2020/7/24</a:t>
+              <a:t>2020/12/9</a:t>
             </a:fld>
             <a:endParaRPr lang="zh-TW" altLang="en-US" dirty="0"/>
           </a:p>
@@ -1241,7 +1241,7 @@
           <a:p>
             <a:fld id="{3D8CBC75-8284-403E-92F0-16B75D676E39}" type="datetimeFigureOut">
               <a:rPr lang="zh-TW" altLang="en-US" smtClean="0"/>
-              <a:t>2020/7/24</a:t>
+              <a:t>2020/12/9</a:t>
             </a:fld>
             <a:endParaRPr lang="zh-TW" altLang="en-US"/>
           </a:p>
@@ -1369,7 +1369,7 @@
           <a:p>
             <a:fld id="{3D8CBC75-8284-403E-92F0-16B75D676E39}" type="datetimeFigureOut">
               <a:rPr lang="zh-TW" altLang="en-US" smtClean="0"/>
-              <a:t>2020/7/24</a:t>
+              <a:t>2020/12/9</a:t>
             </a:fld>
             <a:endParaRPr lang="zh-TW" altLang="en-US"/>
           </a:p>
@@ -1712,7 +1712,7 @@
           <a:p>
             <a:fld id="{3D8CBC75-8284-403E-92F0-16B75D676E39}" type="datetimeFigureOut">
               <a:rPr lang="zh-TW" altLang="en-US" smtClean="0"/>
-              <a:t>2020/7/24</a:t>
+              <a:t>2020/12/9</a:t>
             </a:fld>
             <a:endParaRPr lang="zh-TW" altLang="en-US"/>
           </a:p>
@@ -2045,7 +2045,7 @@
           <a:p>
             <a:fld id="{3D8CBC75-8284-403E-92F0-16B75D676E39}" type="datetimeFigureOut">
               <a:rPr lang="zh-TW" altLang="en-US" smtClean="0"/>
-              <a:t>2020/7/24</a:t>
+              <a:t>2020/12/9</a:t>
             </a:fld>
             <a:endParaRPr lang="zh-TW" altLang="en-US"/>
           </a:p>
@@ -2414,7 +2414,7 @@
           <a:p>
             <a:fld id="{3D8CBC75-8284-403E-92F0-16B75D676E39}" type="datetimeFigureOut">
               <a:rPr lang="zh-TW" altLang="en-US" smtClean="0"/>
-              <a:t>2020/7/24</a:t>
+              <a:t>2020/12/9</a:t>
             </a:fld>
             <a:endParaRPr lang="zh-TW" altLang="en-US"/>
           </a:p>
@@ -2637,7 +2637,7 @@
           <a:p>
             <a:fld id="{3D8CBC75-8284-403E-92F0-16B75D676E39}" type="datetimeFigureOut">
               <a:rPr lang="zh-TW" altLang="en-US" smtClean="0"/>
-              <a:t>2020/7/24</a:t>
+              <a:t>2020/12/9</a:t>
             </a:fld>
             <a:endParaRPr lang="zh-TW" altLang="en-US"/>
           </a:p>
@@ -3167,7 +3167,7 @@
           <a:p>
             <a:fld id="{3D8CBC75-8284-403E-92F0-16B75D676E39}" type="datetimeFigureOut">
               <a:rPr lang="zh-TW" altLang="en-US" smtClean="0"/>
-              <a:t>2020/7/24</a:t>
+              <a:t>2020/12/9</a:t>
             </a:fld>
             <a:endParaRPr lang="zh-TW" altLang="en-US"/>
           </a:p>
@@ -3448,7 +3448,7 @@
           <a:p>
             <a:fld id="{3D8CBC75-8284-403E-92F0-16B75D676E39}" type="datetimeFigureOut">
               <a:rPr lang="zh-TW" altLang="en-US" smtClean="0"/>
-              <a:t>2020/7/24</a:t>
+              <a:t>2020/12/9</a:t>
             </a:fld>
             <a:endParaRPr lang="zh-TW" altLang="en-US"/>
           </a:p>
@@ -3635,7 +3635,7 @@
           <a:p>
             <a:fld id="{3D8CBC75-8284-403E-92F0-16B75D676E39}" type="datetimeFigureOut">
               <a:rPr lang="zh-TW" altLang="en-US" smtClean="0"/>
-              <a:t>2020/7/24</a:t>
+              <a:t>2020/12/9</a:t>
             </a:fld>
             <a:endParaRPr lang="zh-TW" altLang="en-US"/>
           </a:p>
@@ -4037,7 +4037,7 @@
           <a:p>
             <a:fld id="{3D8CBC75-8284-403E-92F0-16B75D676E39}" type="datetimeFigureOut">
               <a:rPr lang="zh-TW" altLang="en-US" smtClean="0"/>
-              <a:t>2020/7/24</a:t>
+              <a:t>2020/12/9</a:t>
             </a:fld>
             <a:endParaRPr lang="zh-TW" altLang="en-US"/>
           </a:p>
@@ -4457,7 +4457,7 @@
           <a:p>
             <a:fld id="{3D8CBC75-8284-403E-92F0-16B75D676E39}" type="datetimeFigureOut">
               <a:rPr lang="zh-TW" altLang="en-US" smtClean="0"/>
-              <a:t>2020/7/24</a:t>
+              <a:t>2020/12/9</a:t>
             </a:fld>
             <a:endParaRPr lang="zh-TW" altLang="en-US"/>
           </a:p>
@@ -4844,7 +4844,7 @@
             <a:fld id="{3D8CBC75-8284-403E-92F0-16B75D676E39}" type="datetimeFigureOut">
               <a:rPr lang="zh-TW" altLang="en-US" smtClean="0"/>
               <a:pPr/>
-              <a:t>2020/7/24</a:t>
+              <a:t>2020/12/9</a:t>
             </a:fld>
             <a:endParaRPr lang="zh-TW" altLang="en-US" dirty="0"/>
           </a:p>
@@ -8609,24 +8609,53 @@
           <a:lstStyle/>
           <a:p>
             <a:r>
-              <a:rPr lang="zh-TW" altLang="en-US" dirty="0">
+              <a:rPr lang="en" altLang="zh-TW" dirty="0">
                 <a:hlinkClick r:id="rId3"/>
               </a:rPr>
-              <a:t>https://forms.gle/NdrrW86jgbSJaeYQ7</a:t>
+              <a:t>https://forms.gle/4rJ48ngQzTQnEhKT6</a:t>
             </a:r>
             <a:endParaRPr lang="zh-TW" altLang="en-US" dirty="0"/>
           </a:p>
         </p:txBody>
       </p:sp>
-      <p:pic>
-        <p:nvPicPr>
-          <p:cNvPr id="4098" name="Picture 2" descr="http://s04.calm9.com/qrcode/2019-10/TCTZTH0BG2.png"/>
-          <p:cNvPicPr>
-            <a:picLocks noGrp="1" noChangeAspect="1" noChangeArrowheads="1"/>
-          </p:cNvPicPr>
+      <p:sp>
+        <p:nvSpPr>
+          <p:cNvPr id="3" name="內容版面配置區 2">
+            <a:extLst>
+              <a:ext uri="{FF2B5EF4-FFF2-40B4-BE49-F238E27FC236}">
+                <a16:creationId xmlns:a16="http://schemas.microsoft.com/office/drawing/2014/main" id="{75E79DEF-431B-F740-B882-44F1B6D2E270}"/>
+              </a:ext>
+            </a:extLst>
+          </p:cNvPr>
+          <p:cNvSpPr>
+            <a:spLocks noGrp="1"/>
+          </p:cNvSpPr>
           <p:nvPr>
             <p:ph idx="1"/>
           </p:nvPr>
+        </p:nvSpPr>
+        <p:spPr/>
+        <p:txBody>
+          <a:bodyPr/>
+          <a:lstStyle/>
+          <a:p>
+            <a:endParaRPr kumimoji="1" lang="zh-TW" altLang="en-US" dirty="0"/>
+          </a:p>
+        </p:txBody>
+      </p:sp>
+      <p:pic>
+        <p:nvPicPr>
+          <p:cNvPr id="6" name="圖片 5">
+            <a:extLst>
+              <a:ext uri="{FF2B5EF4-FFF2-40B4-BE49-F238E27FC236}">
+                <a16:creationId xmlns:a16="http://schemas.microsoft.com/office/drawing/2014/main" id="{4A7BF2FA-BFF1-9748-B506-3AA8296B28A1}"/>
+              </a:ext>
+            </a:extLst>
+          </p:cNvPr>
+          <p:cNvPicPr>
+            <a:picLocks noChangeAspect="1"/>
+          </p:cNvPicPr>
+          <p:nvPr/>
         </p:nvPicPr>
         <p:blipFill>
           <a:blip r:embed="rId4">
@@ -8636,32 +8665,18 @@
               </a:ext>
             </a:extLst>
           </a:blip>
-          <a:srcRect/>
           <a:stretch>
             <a:fillRect/>
           </a:stretch>
         </p:blipFill>
-        <p:spPr bwMode="auto">
+        <p:spPr>
           <a:xfrm>
-            <a:off x="2339751" y="995933"/>
-            <a:ext cx="4464498" cy="4464498"/>
+            <a:off x="2447763" y="1053237"/>
+            <a:ext cx="4248472" cy="4248472"/>
           </a:xfrm>
           <a:prstGeom prst="rect">
             <a:avLst/>
           </a:prstGeom>
-          <a:noFill/>
-          <a:effectLst>
-            <a:softEdge rad="127000"/>
-          </a:effectLst>
-          <a:extLst>
-            <a:ext uri="{909E8E84-426E-40DD-AFC4-6F175D3DCCD1}">
-              <a14:hiddenFill xmlns:a14="http://schemas.microsoft.com/office/drawing/2010/main">
-                <a:solidFill>
-                  <a:srgbClr val="FFFFFF"/>
-                </a:solidFill>
-              </a14:hiddenFill>
-            </a:ext>
-          </a:extLst>
         </p:spPr>
       </p:pic>
     </p:spTree>

--- a/教學簡報/Bootstrap Message board .pptx
+++ b/教學簡報/Bootstrap Message board .pptx
@@ -8596,7 +8596,7 @@
         <p:spPr>
           <a:xfrm>
             <a:off x="2664939" y="5435431"/>
-            <a:ext cx="3814121" cy="369332"/>
+            <a:ext cx="3988784" cy="369332"/>
           </a:xfrm>
           <a:prstGeom prst="rect">
             <a:avLst/>
@@ -8612,43 +8612,18 @@
               <a:rPr lang="en" altLang="zh-TW" dirty="0">
                 <a:hlinkClick r:id="rId3"/>
               </a:rPr>
-              <a:t>https://forms.gle/4rJ48ngQzTQnEhKT6</a:t>
+              <a:t>https://forms.gle/mx2QB2U4DiuFTbH3A</a:t>
             </a:r>
             <a:endParaRPr lang="zh-TW" altLang="en-US" dirty="0"/>
           </a:p>
         </p:txBody>
       </p:sp>
-      <p:sp>
-        <p:nvSpPr>
-          <p:cNvPr id="3" name="內容版面配置區 2">
+      <p:pic>
+        <p:nvPicPr>
+          <p:cNvPr id="7" name="圖片 6">
             <a:extLst>
               <a:ext uri="{FF2B5EF4-FFF2-40B4-BE49-F238E27FC236}">
-                <a16:creationId xmlns:a16="http://schemas.microsoft.com/office/drawing/2014/main" id="{75E79DEF-431B-F740-B882-44F1B6D2E270}"/>
-              </a:ext>
-            </a:extLst>
-          </p:cNvPr>
-          <p:cNvSpPr>
-            <a:spLocks noGrp="1"/>
-          </p:cNvSpPr>
-          <p:nvPr>
-            <p:ph idx="1"/>
-          </p:nvPr>
-        </p:nvSpPr>
-        <p:spPr/>
-        <p:txBody>
-          <a:bodyPr/>
-          <a:lstStyle/>
-          <a:p>
-            <a:endParaRPr kumimoji="1" lang="zh-TW" altLang="en-US" dirty="0"/>
-          </a:p>
-        </p:txBody>
-      </p:sp>
-      <p:pic>
-        <p:nvPicPr>
-          <p:cNvPr id="6" name="圖片 5">
-            <a:extLst>
-              <a:ext uri="{FF2B5EF4-FFF2-40B4-BE49-F238E27FC236}">
-                <a16:creationId xmlns:a16="http://schemas.microsoft.com/office/drawing/2014/main" id="{4A7BF2FA-BFF1-9748-B506-3AA8296B28A1}"/>
+                <a16:creationId xmlns:a16="http://schemas.microsoft.com/office/drawing/2014/main" id="{E831FE53-482A-E84A-8856-BEF1A8DB4066}"/>
               </a:ext>
             </a:extLst>
           </p:cNvPr>
@@ -8671,8 +8646,8 @@
         </p:blipFill>
         <p:spPr>
           <a:xfrm>
-            <a:off x="2447763" y="1053237"/>
-            <a:ext cx="4248472" cy="4248472"/>
+            <a:off x="2412010" y="1053237"/>
+            <a:ext cx="4319979" cy="4319979"/>
           </a:xfrm>
           <a:prstGeom prst="rect">
             <a:avLst/>
